--- a/figures/PVE_fig.pptx
+++ b/figures/PVE_fig.pptx
@@ -104,6 +104,11 @@
       </a:defRPr>
     </a:lvl9pPr>
   </p:defaultTextStyle>
+  <p:extLst>
+    <p:ext uri="{EFAFB233-063F-42B5-8137-9DF3F51BA10A}">
+      <p15:sldGuideLst xmlns:p15="http://schemas.microsoft.com/office/powerpoint/2012/main"/>
+    </p:ext>
+  </p:extLst>
 </p:presentation>
 </file>
 
@@ -238,7 +243,7 @@
           <a:p>
             <a:fld id="{5C98AE0E-481E-3A48-A0BD-7564E892052A}" type="datetimeFigureOut">
               <a:rPr lang="en-JP" smtClean="0"/>
-              <a:t>2024/10/26</a:t>
+              <a:t>2025/01/09</a:t>
             </a:fld>
             <a:endParaRPr lang="en-JP"/>
           </a:p>
@@ -408,7 +413,7 @@
           <a:p>
             <a:fld id="{5C98AE0E-481E-3A48-A0BD-7564E892052A}" type="datetimeFigureOut">
               <a:rPr lang="en-JP" smtClean="0"/>
-              <a:t>2024/10/26</a:t>
+              <a:t>2025/01/09</a:t>
             </a:fld>
             <a:endParaRPr lang="en-JP"/>
           </a:p>
@@ -588,7 +593,7 @@
           <a:p>
             <a:fld id="{5C98AE0E-481E-3A48-A0BD-7564E892052A}" type="datetimeFigureOut">
               <a:rPr lang="en-JP" smtClean="0"/>
-              <a:t>2024/10/26</a:t>
+              <a:t>2025/01/09</a:t>
             </a:fld>
             <a:endParaRPr lang="en-JP"/>
           </a:p>
@@ -758,7 +763,7 @@
           <a:p>
             <a:fld id="{5C98AE0E-481E-3A48-A0BD-7564E892052A}" type="datetimeFigureOut">
               <a:rPr lang="en-JP" smtClean="0"/>
-              <a:t>2024/10/26</a:t>
+              <a:t>2025/01/09</a:t>
             </a:fld>
             <a:endParaRPr lang="en-JP"/>
           </a:p>
@@ -1004,7 +1009,7 @@
           <a:p>
             <a:fld id="{5C98AE0E-481E-3A48-A0BD-7564E892052A}" type="datetimeFigureOut">
               <a:rPr lang="en-JP" smtClean="0"/>
-              <a:t>2024/10/26</a:t>
+              <a:t>2025/01/09</a:t>
             </a:fld>
             <a:endParaRPr lang="en-JP"/>
           </a:p>
@@ -1236,7 +1241,7 @@
           <a:p>
             <a:fld id="{5C98AE0E-481E-3A48-A0BD-7564E892052A}" type="datetimeFigureOut">
               <a:rPr lang="en-JP" smtClean="0"/>
-              <a:t>2024/10/26</a:t>
+              <a:t>2025/01/09</a:t>
             </a:fld>
             <a:endParaRPr lang="en-JP"/>
           </a:p>
@@ -1603,7 +1608,7 @@
           <a:p>
             <a:fld id="{5C98AE0E-481E-3A48-A0BD-7564E892052A}" type="datetimeFigureOut">
               <a:rPr lang="en-JP" smtClean="0"/>
-              <a:t>2024/10/26</a:t>
+              <a:t>2025/01/09</a:t>
             </a:fld>
             <a:endParaRPr lang="en-JP"/>
           </a:p>
@@ -1721,7 +1726,7 @@
           <a:p>
             <a:fld id="{5C98AE0E-481E-3A48-A0BD-7564E892052A}" type="datetimeFigureOut">
               <a:rPr lang="en-JP" smtClean="0"/>
-              <a:t>2024/10/26</a:t>
+              <a:t>2025/01/09</a:t>
             </a:fld>
             <a:endParaRPr lang="en-JP"/>
           </a:p>
@@ -1816,7 +1821,7 @@
           <a:p>
             <a:fld id="{5C98AE0E-481E-3A48-A0BD-7564E892052A}" type="datetimeFigureOut">
               <a:rPr lang="en-JP" smtClean="0"/>
-              <a:t>2024/10/26</a:t>
+              <a:t>2025/01/09</a:t>
             </a:fld>
             <a:endParaRPr lang="en-JP"/>
           </a:p>
@@ -2093,7 +2098,7 @@
           <a:p>
             <a:fld id="{5C98AE0E-481E-3A48-A0BD-7564E892052A}" type="datetimeFigureOut">
               <a:rPr lang="en-JP" smtClean="0"/>
-              <a:t>2024/10/26</a:t>
+              <a:t>2025/01/09</a:t>
             </a:fld>
             <a:endParaRPr lang="en-JP"/>
           </a:p>
@@ -2350,7 +2355,7 @@
           <a:p>
             <a:fld id="{5C98AE0E-481E-3A48-A0BD-7564E892052A}" type="datetimeFigureOut">
               <a:rPr lang="en-JP" smtClean="0"/>
-              <a:t>2024/10/26</a:t>
+              <a:t>2025/01/09</a:t>
             </a:fld>
             <a:endParaRPr lang="en-JP"/>
           </a:p>
@@ -2563,7 +2568,7 @@
           <a:p>
             <a:fld id="{5C98AE0E-481E-3A48-A0BD-7564E892052A}" type="datetimeFigureOut">
               <a:rPr lang="en-JP" smtClean="0"/>
-              <a:t>2024/10/26</a:t>
+              <a:t>2025/01/09</a:t>
             </a:fld>
             <a:endParaRPr lang="en-JP"/>
           </a:p>
@@ -2970,10 +2975,10 @@
       </p:grpSpPr>
       <p:pic>
         <p:nvPicPr>
-          <p:cNvPr id="35" name="Picture 34">
+          <p:cNvPr id="3" name="Picture 2">
             <a:extLst>
               <a:ext uri="{FF2B5EF4-FFF2-40B4-BE49-F238E27FC236}">
-                <a16:creationId xmlns:a16="http://schemas.microsoft.com/office/drawing/2014/main" id="{1D848ED9-6F3F-8BC0-7AE4-34AEA99B7C27}"/>
+                <a16:creationId xmlns:a16="http://schemas.microsoft.com/office/drawing/2014/main" id="{56B35E6D-884F-279D-F8DB-81FFFD769661}"/>
               </a:ext>
             </a:extLst>
           </p:cNvPr>
@@ -2990,7 +2995,7 @@
         </p:blipFill>
         <p:spPr>
           <a:xfrm>
-            <a:off x="0" y="153198"/>
+            <a:off x="0" y="102084"/>
             <a:ext cx="6858000" cy="2057400"/>
           </a:xfrm>
           <a:prstGeom prst="rect">
@@ -3152,8 +3157,8 @@
         </p:nvSpPr>
         <p:spPr>
           <a:xfrm>
-            <a:off x="5933274" y="513453"/>
-            <a:ext cx="300082" cy="243465"/>
+            <a:off x="5972544" y="513453"/>
+            <a:ext cx="242374" cy="243465"/>
           </a:xfrm>
           <a:prstGeom prst="rect">
             <a:avLst/>
@@ -3168,7 +3173,7 @@
           <a:p>
             <a:r>
               <a:rPr lang="en-JP" sz="982" dirty="0"/>
-              <a:t>**</a:t>
+              <a:t>*</a:t>
             </a:r>
           </a:p>
         </p:txBody>
@@ -3187,7 +3192,7 @@
         </p:nvSpPr>
         <p:spPr>
           <a:xfrm>
-            <a:off x="6052444" y="417945"/>
+            <a:off x="6024394" y="412335"/>
             <a:ext cx="300082" cy="243465"/>
           </a:xfrm>
           <a:prstGeom prst="rect">
@@ -3280,41 +3285,6 @@
       </p:sp>
       <p:sp>
         <p:nvSpPr>
-          <p:cNvPr id="18" name="TextBox 17">
-            <a:extLst>
-              <a:ext uri="{FF2B5EF4-FFF2-40B4-BE49-F238E27FC236}">
-                <a16:creationId xmlns:a16="http://schemas.microsoft.com/office/drawing/2014/main" id="{0B781140-96EC-1C97-B46A-73407E17B1AC}"/>
-              </a:ext>
-            </a:extLst>
-          </p:cNvPr>
-          <p:cNvSpPr txBox="1"/>
-          <p:nvPr/>
-        </p:nvSpPr>
-        <p:spPr>
-          <a:xfrm>
-            <a:off x="2659596" y="1074815"/>
-            <a:ext cx="242374" cy="243465"/>
-          </a:xfrm>
-          <a:prstGeom prst="rect">
-            <a:avLst/>
-          </a:prstGeom>
-          <a:noFill/>
-        </p:spPr>
-        <p:txBody>
-          <a:bodyPr wrap="none" rtlCol="0">
-            <a:spAutoFit/>
-          </a:bodyPr>
-          <a:lstStyle/>
-          <a:p>
-            <a:r>
-              <a:rPr lang="en-JP" sz="982" dirty="0"/>
-              <a:t>*</a:t>
-            </a:r>
-          </a:p>
-        </p:txBody>
-      </p:sp>
-      <p:sp>
-        <p:nvSpPr>
           <p:cNvPr id="19" name="TextBox 18">
             <a:extLst>
               <a:ext uri="{FF2B5EF4-FFF2-40B4-BE49-F238E27FC236}">
@@ -3327,112 +3297,7 @@
         </p:nvSpPr>
         <p:spPr>
           <a:xfrm>
-            <a:off x="3211656" y="826239"/>
-            <a:ext cx="242374" cy="243465"/>
-          </a:xfrm>
-          <a:prstGeom prst="rect">
-            <a:avLst/>
-          </a:prstGeom>
-          <a:noFill/>
-        </p:spPr>
-        <p:txBody>
-          <a:bodyPr wrap="none" rtlCol="0">
-            <a:spAutoFit/>
-          </a:bodyPr>
-          <a:lstStyle/>
-          <a:p>
-            <a:r>
-              <a:rPr lang="en-JP" sz="982" dirty="0"/>
-              <a:t>*</a:t>
-            </a:r>
-          </a:p>
-        </p:txBody>
-      </p:sp>
-      <p:sp>
-        <p:nvSpPr>
-          <p:cNvPr id="20" name="TextBox 19">
-            <a:extLst>
-              <a:ext uri="{FF2B5EF4-FFF2-40B4-BE49-F238E27FC236}">
-                <a16:creationId xmlns:a16="http://schemas.microsoft.com/office/drawing/2014/main" id="{309CD01E-D5AC-B7AB-5E3A-A1A711A01813}"/>
-              </a:ext>
-            </a:extLst>
-          </p:cNvPr>
-          <p:cNvSpPr txBox="1"/>
-          <p:nvPr/>
-        </p:nvSpPr>
-        <p:spPr>
-          <a:xfrm>
-            <a:off x="3408603" y="674193"/>
-            <a:ext cx="300082" cy="243465"/>
-          </a:xfrm>
-          <a:prstGeom prst="rect">
-            <a:avLst/>
-          </a:prstGeom>
-          <a:noFill/>
-        </p:spPr>
-        <p:txBody>
-          <a:bodyPr wrap="none" rtlCol="0">
-            <a:spAutoFit/>
-          </a:bodyPr>
-          <a:lstStyle/>
-          <a:p>
-            <a:r>
-              <a:rPr lang="en-JP" sz="982" dirty="0"/>
-              <a:t>**</a:t>
-            </a:r>
-          </a:p>
-        </p:txBody>
-      </p:sp>
-      <p:sp>
-        <p:nvSpPr>
-          <p:cNvPr id="21" name="TextBox 20">
-            <a:extLst>
-              <a:ext uri="{FF2B5EF4-FFF2-40B4-BE49-F238E27FC236}">
-                <a16:creationId xmlns:a16="http://schemas.microsoft.com/office/drawing/2014/main" id="{75E4DACB-A853-529D-3DA4-75D2A627FAFE}"/>
-              </a:ext>
-            </a:extLst>
-          </p:cNvPr>
-          <p:cNvSpPr txBox="1"/>
-          <p:nvPr/>
-        </p:nvSpPr>
-        <p:spPr>
-          <a:xfrm>
-            <a:off x="3735559" y="792978"/>
-            <a:ext cx="242374" cy="243465"/>
-          </a:xfrm>
-          <a:prstGeom prst="rect">
-            <a:avLst/>
-          </a:prstGeom>
-          <a:noFill/>
-        </p:spPr>
-        <p:txBody>
-          <a:bodyPr wrap="none" rtlCol="0">
-            <a:spAutoFit/>
-          </a:bodyPr>
-          <a:lstStyle/>
-          <a:p>
-            <a:r>
-              <a:rPr lang="en-JP" sz="982" dirty="0"/>
-              <a:t>*</a:t>
-            </a:r>
-          </a:p>
-        </p:txBody>
-      </p:sp>
-      <p:sp>
-        <p:nvSpPr>
-          <p:cNvPr id="22" name="TextBox 21">
-            <a:extLst>
-              <a:ext uri="{FF2B5EF4-FFF2-40B4-BE49-F238E27FC236}">
-                <a16:creationId xmlns:a16="http://schemas.microsoft.com/office/drawing/2014/main" id="{E5631DE5-BF39-0A1D-CC6D-CC544CDE06DD}"/>
-              </a:ext>
-            </a:extLst>
-          </p:cNvPr>
-          <p:cNvSpPr txBox="1"/>
-          <p:nvPr/>
-        </p:nvSpPr>
-        <p:spPr>
-          <a:xfrm>
-            <a:off x="3807706" y="690435"/>
+            <a:off x="3217266" y="831849"/>
             <a:ext cx="242374" cy="243465"/>
           </a:xfrm>
           <a:prstGeom prst="rect">
@@ -3467,7 +3332,7 @@
         </p:nvSpPr>
         <p:spPr>
           <a:xfrm>
-            <a:off x="432000" y="1058296"/>
+            <a:off x="437610" y="1030246"/>
             <a:ext cx="242374" cy="243465"/>
           </a:xfrm>
           <a:prstGeom prst="rect">
@@ -3502,8 +3367,8 @@
         </p:nvSpPr>
         <p:spPr>
           <a:xfrm>
-            <a:off x="777324" y="863392"/>
-            <a:ext cx="300082" cy="243465"/>
+            <a:off x="799764" y="835342"/>
+            <a:ext cx="242374" cy="243465"/>
           </a:xfrm>
           <a:prstGeom prst="rect">
             <a:avLst/>
@@ -3518,7 +3383,7 @@
           <a:p>
             <a:r>
               <a:rPr lang="en-JP" sz="982" dirty="0"/>
-              <a:t>**</a:t>
+              <a:t>*</a:t>
             </a:r>
           </a:p>
         </p:txBody>
@@ -3537,147 +3402,7 @@
         </p:nvSpPr>
         <p:spPr>
           <a:xfrm>
-            <a:off x="959680" y="831455"/>
-            <a:ext cx="242374" cy="243465"/>
-          </a:xfrm>
-          <a:prstGeom prst="rect">
-            <a:avLst/>
-          </a:prstGeom>
-          <a:noFill/>
-        </p:spPr>
-        <p:txBody>
-          <a:bodyPr wrap="none" rtlCol="0">
-            <a:spAutoFit/>
-          </a:bodyPr>
-          <a:lstStyle/>
-          <a:p>
-            <a:r>
-              <a:rPr lang="en-JP" sz="982" dirty="0"/>
-              <a:t>*</a:t>
-            </a:r>
-          </a:p>
-        </p:txBody>
-      </p:sp>
-      <p:sp>
-        <p:nvSpPr>
-          <p:cNvPr id="26" name="TextBox 25">
-            <a:extLst>
-              <a:ext uri="{FF2B5EF4-FFF2-40B4-BE49-F238E27FC236}">
-                <a16:creationId xmlns:a16="http://schemas.microsoft.com/office/drawing/2014/main" id="{DA50CDC0-4F3F-46EB-4565-3E6AC55AFF1F}"/>
-              </a:ext>
-            </a:extLst>
-          </p:cNvPr>
-          <p:cNvSpPr txBox="1"/>
-          <p:nvPr/>
-        </p:nvSpPr>
-        <p:spPr>
-          <a:xfrm>
-            <a:off x="1181118" y="746759"/>
-            <a:ext cx="242374" cy="243465"/>
-          </a:xfrm>
-          <a:prstGeom prst="rect">
-            <a:avLst/>
-          </a:prstGeom>
-          <a:noFill/>
-        </p:spPr>
-        <p:txBody>
-          <a:bodyPr wrap="none" rtlCol="0">
-            <a:spAutoFit/>
-          </a:bodyPr>
-          <a:lstStyle/>
-          <a:p>
-            <a:r>
-              <a:rPr lang="en-JP" sz="982" dirty="0"/>
-              <a:t>*</a:t>
-            </a:r>
-          </a:p>
-        </p:txBody>
-      </p:sp>
-      <p:sp>
-        <p:nvSpPr>
-          <p:cNvPr id="27" name="TextBox 26">
-            <a:extLst>
-              <a:ext uri="{FF2B5EF4-FFF2-40B4-BE49-F238E27FC236}">
-                <a16:creationId xmlns:a16="http://schemas.microsoft.com/office/drawing/2014/main" id="{407400E1-43D4-6F6B-CFA3-17E6DA36CE51}"/>
-              </a:ext>
-            </a:extLst>
-          </p:cNvPr>
-          <p:cNvSpPr txBox="1"/>
-          <p:nvPr/>
-        </p:nvSpPr>
-        <p:spPr>
-          <a:xfrm>
-            <a:off x="1489707" y="753903"/>
-            <a:ext cx="242374" cy="243465"/>
-          </a:xfrm>
-          <a:prstGeom prst="rect">
-            <a:avLst/>
-          </a:prstGeom>
-          <a:noFill/>
-        </p:spPr>
-        <p:txBody>
-          <a:bodyPr wrap="none" rtlCol="0">
-            <a:spAutoFit/>
-          </a:bodyPr>
-          <a:lstStyle/>
-          <a:p>
-            <a:r>
-              <a:rPr lang="en-JP" sz="982" dirty="0"/>
-              <a:t>*</a:t>
-            </a:r>
-          </a:p>
-        </p:txBody>
-      </p:sp>
-      <p:sp>
-        <p:nvSpPr>
-          <p:cNvPr id="28" name="TextBox 27">
-            <a:extLst>
-              <a:ext uri="{FF2B5EF4-FFF2-40B4-BE49-F238E27FC236}">
-                <a16:creationId xmlns:a16="http://schemas.microsoft.com/office/drawing/2014/main" id="{76E4CEF5-B0CD-5A62-16B6-90179D3BF8DB}"/>
-              </a:ext>
-            </a:extLst>
-          </p:cNvPr>
-          <p:cNvSpPr txBox="1"/>
-          <p:nvPr/>
-        </p:nvSpPr>
-        <p:spPr>
-          <a:xfrm>
-            <a:off x="1561853" y="754921"/>
-            <a:ext cx="242374" cy="243465"/>
-          </a:xfrm>
-          <a:prstGeom prst="rect">
-            <a:avLst/>
-          </a:prstGeom>
-          <a:noFill/>
-        </p:spPr>
-        <p:txBody>
-          <a:bodyPr wrap="none" rtlCol="0">
-            <a:spAutoFit/>
-          </a:bodyPr>
-          <a:lstStyle/>
-          <a:p>
-            <a:r>
-              <a:rPr lang="en-JP" sz="982" dirty="0"/>
-              <a:t>*</a:t>
-            </a:r>
-          </a:p>
-        </p:txBody>
-      </p:sp>
-      <p:sp>
-        <p:nvSpPr>
-          <p:cNvPr id="29" name="TextBox 28">
-            <a:extLst>
-              <a:ext uri="{FF2B5EF4-FFF2-40B4-BE49-F238E27FC236}">
-                <a16:creationId xmlns:a16="http://schemas.microsoft.com/office/drawing/2014/main" id="{91B171C7-392E-286D-840E-E1A98ECF4B89}"/>
-              </a:ext>
-            </a:extLst>
-          </p:cNvPr>
-          <p:cNvSpPr txBox="1"/>
-          <p:nvPr/>
-        </p:nvSpPr>
-        <p:spPr>
-          <a:xfrm>
-            <a:off x="1927889" y="731974"/>
+            <a:off x="965290" y="831455"/>
             <a:ext cx="242374" cy="243465"/>
           </a:xfrm>
           <a:prstGeom prst="rect">

--- a/figures/PVE_fig.pptx
+++ b/figures/PVE_fig.pptx
@@ -243,7 +243,7 @@
           <a:p>
             <a:fld id="{5C98AE0E-481E-3A48-A0BD-7564E892052A}" type="datetimeFigureOut">
               <a:rPr lang="en-JP" smtClean="0"/>
-              <a:t>2025/01/09</a:t>
+              <a:t>2025/02/22</a:t>
             </a:fld>
             <a:endParaRPr lang="en-JP"/>
           </a:p>
@@ -413,7 +413,7 @@
           <a:p>
             <a:fld id="{5C98AE0E-481E-3A48-A0BD-7564E892052A}" type="datetimeFigureOut">
               <a:rPr lang="en-JP" smtClean="0"/>
-              <a:t>2025/01/09</a:t>
+              <a:t>2025/02/22</a:t>
             </a:fld>
             <a:endParaRPr lang="en-JP"/>
           </a:p>
@@ -593,7 +593,7 @@
           <a:p>
             <a:fld id="{5C98AE0E-481E-3A48-A0BD-7564E892052A}" type="datetimeFigureOut">
               <a:rPr lang="en-JP" smtClean="0"/>
-              <a:t>2025/01/09</a:t>
+              <a:t>2025/02/22</a:t>
             </a:fld>
             <a:endParaRPr lang="en-JP"/>
           </a:p>
@@ -763,7 +763,7 @@
           <a:p>
             <a:fld id="{5C98AE0E-481E-3A48-A0BD-7564E892052A}" type="datetimeFigureOut">
               <a:rPr lang="en-JP" smtClean="0"/>
-              <a:t>2025/01/09</a:t>
+              <a:t>2025/02/22</a:t>
             </a:fld>
             <a:endParaRPr lang="en-JP"/>
           </a:p>
@@ -1009,7 +1009,7 @@
           <a:p>
             <a:fld id="{5C98AE0E-481E-3A48-A0BD-7564E892052A}" type="datetimeFigureOut">
               <a:rPr lang="en-JP" smtClean="0"/>
-              <a:t>2025/01/09</a:t>
+              <a:t>2025/02/22</a:t>
             </a:fld>
             <a:endParaRPr lang="en-JP"/>
           </a:p>
@@ -1241,7 +1241,7 @@
           <a:p>
             <a:fld id="{5C98AE0E-481E-3A48-A0BD-7564E892052A}" type="datetimeFigureOut">
               <a:rPr lang="en-JP" smtClean="0"/>
-              <a:t>2025/01/09</a:t>
+              <a:t>2025/02/22</a:t>
             </a:fld>
             <a:endParaRPr lang="en-JP"/>
           </a:p>
@@ -1608,7 +1608,7 @@
           <a:p>
             <a:fld id="{5C98AE0E-481E-3A48-A0BD-7564E892052A}" type="datetimeFigureOut">
               <a:rPr lang="en-JP" smtClean="0"/>
-              <a:t>2025/01/09</a:t>
+              <a:t>2025/02/22</a:t>
             </a:fld>
             <a:endParaRPr lang="en-JP"/>
           </a:p>
@@ -1726,7 +1726,7 @@
           <a:p>
             <a:fld id="{5C98AE0E-481E-3A48-A0BD-7564E892052A}" type="datetimeFigureOut">
               <a:rPr lang="en-JP" smtClean="0"/>
-              <a:t>2025/01/09</a:t>
+              <a:t>2025/02/22</a:t>
             </a:fld>
             <a:endParaRPr lang="en-JP"/>
           </a:p>
@@ -1821,7 +1821,7 @@
           <a:p>
             <a:fld id="{5C98AE0E-481E-3A48-A0BD-7564E892052A}" type="datetimeFigureOut">
               <a:rPr lang="en-JP" smtClean="0"/>
-              <a:t>2025/01/09</a:t>
+              <a:t>2025/02/22</a:t>
             </a:fld>
             <a:endParaRPr lang="en-JP"/>
           </a:p>
@@ -2098,7 +2098,7 @@
           <a:p>
             <a:fld id="{5C98AE0E-481E-3A48-A0BD-7564E892052A}" type="datetimeFigureOut">
               <a:rPr lang="en-JP" smtClean="0"/>
-              <a:t>2025/01/09</a:t>
+              <a:t>2025/02/22</a:t>
             </a:fld>
             <a:endParaRPr lang="en-JP"/>
           </a:p>
@@ -2355,7 +2355,7 @@
           <a:p>
             <a:fld id="{5C98AE0E-481E-3A48-A0BD-7564E892052A}" type="datetimeFigureOut">
               <a:rPr lang="en-JP" smtClean="0"/>
-              <a:t>2025/01/09</a:t>
+              <a:t>2025/02/22</a:t>
             </a:fld>
             <a:endParaRPr lang="en-JP"/>
           </a:p>
@@ -2568,7 +2568,7 @@
           <a:p>
             <a:fld id="{5C98AE0E-481E-3A48-A0BD-7564E892052A}" type="datetimeFigureOut">
               <a:rPr lang="en-JP" smtClean="0"/>
-              <a:t>2025/01/09</a:t>
+              <a:t>2025/02/22</a:t>
             </a:fld>
             <a:endParaRPr lang="en-JP"/>
           </a:p>
@@ -3461,6 +3461,878 @@
           </a:p>
         </p:txBody>
       </p:sp>
+      <p:sp>
+        <p:nvSpPr>
+          <p:cNvPr id="2" name="TextBox 1">
+            <a:extLst>
+              <a:ext uri="{FF2B5EF4-FFF2-40B4-BE49-F238E27FC236}">
+                <a16:creationId xmlns:a16="http://schemas.microsoft.com/office/drawing/2014/main" id="{0F74675D-26AC-5385-7447-8FD18BF18D6D}"/>
+              </a:ext>
+            </a:extLst>
+          </p:cNvPr>
+          <p:cNvSpPr txBox="1"/>
+          <p:nvPr/>
+        </p:nvSpPr>
+        <p:spPr>
+          <a:xfrm>
+            <a:off x="1171176" y="604629"/>
+            <a:ext cx="250390" cy="369332"/>
+          </a:xfrm>
+          <a:prstGeom prst="rect">
+            <a:avLst/>
+          </a:prstGeom>
+          <a:noFill/>
+        </p:spPr>
+        <p:txBody>
+          <a:bodyPr wrap="none" rtlCol="0">
+            <a:spAutoFit/>
+          </a:bodyPr>
+          <a:lstStyle/>
+          <a:p>
+            <a:r>
+              <a:rPr lang="en-JP" dirty="0"/>
+              <a:t>.</a:t>
+            </a:r>
+          </a:p>
+        </p:txBody>
+      </p:sp>
+      <p:sp>
+        <p:nvSpPr>
+          <p:cNvPr id="4" name="TextBox 3">
+            <a:extLst>
+              <a:ext uri="{FF2B5EF4-FFF2-40B4-BE49-F238E27FC236}">
+                <a16:creationId xmlns:a16="http://schemas.microsoft.com/office/drawing/2014/main" id="{234A70CA-C8BE-E347-6302-DC8BF7205F11}"/>
+              </a:ext>
+            </a:extLst>
+          </p:cNvPr>
+          <p:cNvSpPr txBox="1"/>
+          <p:nvPr/>
+        </p:nvSpPr>
+        <p:spPr>
+          <a:xfrm>
+            <a:off x="1487262" y="627209"/>
+            <a:ext cx="250390" cy="369332"/>
+          </a:xfrm>
+          <a:prstGeom prst="rect">
+            <a:avLst/>
+          </a:prstGeom>
+          <a:noFill/>
+        </p:spPr>
+        <p:txBody>
+          <a:bodyPr wrap="none" rtlCol="0">
+            <a:spAutoFit/>
+          </a:bodyPr>
+          <a:lstStyle/>
+          <a:p>
+            <a:r>
+              <a:rPr lang="en-JP" dirty="0"/>
+              <a:t>.</a:t>
+            </a:r>
+          </a:p>
+        </p:txBody>
+      </p:sp>
+      <p:sp>
+        <p:nvSpPr>
+          <p:cNvPr id="5" name="TextBox 4">
+            <a:extLst>
+              <a:ext uri="{FF2B5EF4-FFF2-40B4-BE49-F238E27FC236}">
+                <a16:creationId xmlns:a16="http://schemas.microsoft.com/office/drawing/2014/main" id="{A73047C6-4E6F-E888-B525-3764288C68F0}"/>
+              </a:ext>
+            </a:extLst>
+          </p:cNvPr>
+          <p:cNvSpPr txBox="1"/>
+          <p:nvPr/>
+        </p:nvSpPr>
+        <p:spPr>
+          <a:xfrm>
+            <a:off x="1921883" y="627211"/>
+            <a:ext cx="250390" cy="369332"/>
+          </a:xfrm>
+          <a:prstGeom prst="rect">
+            <a:avLst/>
+          </a:prstGeom>
+          <a:noFill/>
+        </p:spPr>
+        <p:txBody>
+          <a:bodyPr wrap="none" rtlCol="0">
+            <a:spAutoFit/>
+          </a:bodyPr>
+          <a:lstStyle/>
+          <a:p>
+            <a:r>
+              <a:rPr lang="en-JP" dirty="0"/>
+              <a:t>.</a:t>
+            </a:r>
+          </a:p>
+        </p:txBody>
+      </p:sp>
+      <p:sp>
+        <p:nvSpPr>
+          <p:cNvPr id="6" name="TextBox 5">
+            <a:extLst>
+              <a:ext uri="{FF2B5EF4-FFF2-40B4-BE49-F238E27FC236}">
+                <a16:creationId xmlns:a16="http://schemas.microsoft.com/office/drawing/2014/main" id="{54D09B2B-5682-D573-E6F5-4D67A446C1A7}"/>
+              </a:ext>
+            </a:extLst>
+          </p:cNvPr>
+          <p:cNvSpPr txBox="1"/>
+          <p:nvPr/>
+        </p:nvSpPr>
+        <p:spPr>
+          <a:xfrm>
+            <a:off x="2678235" y="1095699"/>
+            <a:ext cx="250390" cy="369332"/>
+          </a:xfrm>
+          <a:prstGeom prst="rect">
+            <a:avLst/>
+          </a:prstGeom>
+          <a:noFill/>
+        </p:spPr>
+        <p:txBody>
+          <a:bodyPr wrap="none" rtlCol="0">
+            <a:spAutoFit/>
+          </a:bodyPr>
+          <a:lstStyle/>
+          <a:p>
+            <a:r>
+              <a:rPr lang="en-JP" dirty="0"/>
+              <a:t>.</a:t>
+            </a:r>
+          </a:p>
+        </p:txBody>
+      </p:sp>
+      <p:sp>
+        <p:nvSpPr>
+          <p:cNvPr id="7" name="TextBox 6">
+            <a:extLst>
+              <a:ext uri="{FF2B5EF4-FFF2-40B4-BE49-F238E27FC236}">
+                <a16:creationId xmlns:a16="http://schemas.microsoft.com/office/drawing/2014/main" id="{112E44BD-6B52-E5E0-041D-C89AD75A9CD5}"/>
+              </a:ext>
+            </a:extLst>
+          </p:cNvPr>
+          <p:cNvSpPr txBox="1"/>
+          <p:nvPr/>
+        </p:nvSpPr>
+        <p:spPr>
+          <a:xfrm>
+            <a:off x="3045121" y="875568"/>
+            <a:ext cx="250390" cy="369332"/>
+          </a:xfrm>
+          <a:prstGeom prst="rect">
+            <a:avLst/>
+          </a:prstGeom>
+          <a:noFill/>
+        </p:spPr>
+        <p:txBody>
+          <a:bodyPr wrap="none" rtlCol="0">
+            <a:spAutoFit/>
+          </a:bodyPr>
+          <a:lstStyle/>
+          <a:p>
+            <a:r>
+              <a:rPr lang="en-JP" dirty="0"/>
+              <a:t>.</a:t>
+            </a:r>
+          </a:p>
+        </p:txBody>
+      </p:sp>
+      <p:sp>
+        <p:nvSpPr>
+          <p:cNvPr id="8" name="TextBox 7">
+            <a:extLst>
+              <a:ext uri="{FF2B5EF4-FFF2-40B4-BE49-F238E27FC236}">
+                <a16:creationId xmlns:a16="http://schemas.microsoft.com/office/drawing/2014/main" id="{11CE0643-B3EF-0B63-BB7C-35E38FB0C7F5}"/>
+              </a:ext>
+            </a:extLst>
+          </p:cNvPr>
+          <p:cNvSpPr txBox="1"/>
+          <p:nvPr/>
+        </p:nvSpPr>
+        <p:spPr>
+          <a:xfrm>
+            <a:off x="3392242" y="752829"/>
+            <a:ext cx="300082" cy="243465"/>
+          </a:xfrm>
+          <a:prstGeom prst="rect">
+            <a:avLst/>
+          </a:prstGeom>
+          <a:noFill/>
+        </p:spPr>
+        <p:txBody>
+          <a:bodyPr wrap="none" rtlCol="0">
+            <a:spAutoFit/>
+          </a:bodyPr>
+          <a:lstStyle/>
+          <a:p>
+            <a:r>
+              <a:rPr lang="en-JP" sz="982" dirty="0"/>
+              <a:t>**</a:t>
+            </a:r>
+          </a:p>
+        </p:txBody>
+      </p:sp>
+      <p:sp>
+        <p:nvSpPr>
+          <p:cNvPr id="32" name="Rounded Rectangle 31">
+            <a:extLst>
+              <a:ext uri="{FF2B5EF4-FFF2-40B4-BE49-F238E27FC236}">
+                <a16:creationId xmlns:a16="http://schemas.microsoft.com/office/drawing/2014/main" id="{9FBEFC12-626B-7F6D-CF04-76B8FB621AC1}"/>
+              </a:ext>
+            </a:extLst>
+          </p:cNvPr>
+          <p:cNvSpPr/>
+          <p:nvPr/>
+        </p:nvSpPr>
+        <p:spPr>
+          <a:xfrm>
+            <a:off x="4074752" y="123902"/>
+            <a:ext cx="177800" cy="767110"/>
+          </a:xfrm>
+          <a:prstGeom prst="roundRect">
+            <a:avLst/>
+          </a:prstGeom>
+          <a:solidFill>
+            <a:schemeClr val="accent6">
+              <a:lumMod val="40000"/>
+              <a:lumOff val="60000"/>
+              <a:alpha val="50000"/>
+            </a:schemeClr>
+          </a:solidFill>
+          <a:ln>
+            <a:noFill/>
+          </a:ln>
+        </p:spPr>
+        <p:style>
+          <a:lnRef idx="2">
+            <a:schemeClr val="accent1">
+              <a:shade val="15000"/>
+            </a:schemeClr>
+          </a:lnRef>
+          <a:fillRef idx="1">
+            <a:schemeClr val="accent1"/>
+          </a:fillRef>
+          <a:effectRef idx="0">
+            <a:schemeClr val="accent1"/>
+          </a:effectRef>
+          <a:fontRef idx="minor">
+            <a:schemeClr val="lt1"/>
+          </a:fontRef>
+        </p:style>
+        <p:txBody>
+          <a:bodyPr rtlCol="0" anchor="ctr"/>
+          <a:lstStyle/>
+          <a:p>
+            <a:pPr algn="ctr"/>
+            <a:endParaRPr lang="en-JP"/>
+          </a:p>
+        </p:txBody>
+      </p:sp>
+      <p:sp>
+        <p:nvSpPr>
+          <p:cNvPr id="33" name="Rounded Rectangle 32">
+            <a:extLst>
+              <a:ext uri="{FF2B5EF4-FFF2-40B4-BE49-F238E27FC236}">
+                <a16:creationId xmlns:a16="http://schemas.microsoft.com/office/drawing/2014/main" id="{2362A871-7782-1DA9-5BCC-029ECEB90FDF}"/>
+              </a:ext>
+            </a:extLst>
+          </p:cNvPr>
+          <p:cNvSpPr/>
+          <p:nvPr/>
+        </p:nvSpPr>
+        <p:spPr>
+          <a:xfrm rot="16200000">
+            <a:off x="4091008" y="204103"/>
+            <a:ext cx="177800" cy="610565"/>
+          </a:xfrm>
+          <a:prstGeom prst="roundRect">
+            <a:avLst/>
+          </a:prstGeom>
+          <a:solidFill>
+            <a:schemeClr val="accent6">
+              <a:lumMod val="40000"/>
+              <a:lumOff val="60000"/>
+              <a:alpha val="50000"/>
+            </a:schemeClr>
+          </a:solidFill>
+          <a:ln>
+            <a:noFill/>
+          </a:ln>
+        </p:spPr>
+        <p:style>
+          <a:lnRef idx="2">
+            <a:schemeClr val="accent1">
+              <a:shade val="15000"/>
+            </a:schemeClr>
+          </a:lnRef>
+          <a:fillRef idx="1">
+            <a:schemeClr val="accent1"/>
+          </a:fillRef>
+          <a:effectRef idx="0">
+            <a:schemeClr val="accent1"/>
+          </a:effectRef>
+          <a:fontRef idx="minor">
+            <a:schemeClr val="lt1"/>
+          </a:fontRef>
+        </p:style>
+        <p:txBody>
+          <a:bodyPr rtlCol="0" anchor="ctr"/>
+          <a:lstStyle/>
+          <a:p>
+            <a:pPr algn="ctr"/>
+            <a:endParaRPr lang="en-JP"/>
+          </a:p>
+        </p:txBody>
+      </p:sp>
+      <p:sp>
+        <p:nvSpPr>
+          <p:cNvPr id="34" name="Rounded Rectangle 33">
+            <a:extLst>
+              <a:ext uri="{FF2B5EF4-FFF2-40B4-BE49-F238E27FC236}">
+                <a16:creationId xmlns:a16="http://schemas.microsoft.com/office/drawing/2014/main" id="{92763A4C-493B-7A7B-186B-F582E9C37EC0}"/>
+              </a:ext>
+            </a:extLst>
+          </p:cNvPr>
+          <p:cNvSpPr/>
+          <p:nvPr/>
+        </p:nvSpPr>
+        <p:spPr>
+          <a:xfrm>
+            <a:off x="3853052" y="113658"/>
+            <a:ext cx="620565" cy="788928"/>
+          </a:xfrm>
+          <a:prstGeom prst="roundRect">
+            <a:avLst/>
+          </a:prstGeom>
+          <a:noFill/>
+          <a:ln w="12700">
+            <a:solidFill>
+              <a:srgbClr val="0070C0"/>
+            </a:solidFill>
+          </a:ln>
+        </p:spPr>
+        <p:style>
+          <a:lnRef idx="2">
+            <a:schemeClr val="accent1">
+              <a:shade val="15000"/>
+            </a:schemeClr>
+          </a:lnRef>
+          <a:fillRef idx="1">
+            <a:schemeClr val="accent1"/>
+          </a:fillRef>
+          <a:effectRef idx="0">
+            <a:schemeClr val="accent1"/>
+          </a:effectRef>
+          <a:fontRef idx="minor">
+            <a:schemeClr val="lt1"/>
+          </a:fontRef>
+        </p:style>
+        <p:txBody>
+          <a:bodyPr rtlCol="0" anchor="ctr"/>
+          <a:lstStyle/>
+          <a:p>
+            <a:pPr algn="ctr"/>
+            <a:endParaRPr lang="en-JP"/>
+          </a:p>
+        </p:txBody>
+      </p:sp>
+      <p:sp>
+        <p:nvSpPr>
+          <p:cNvPr id="37" name="TextBox 36">
+            <a:extLst>
+              <a:ext uri="{FF2B5EF4-FFF2-40B4-BE49-F238E27FC236}">
+                <a16:creationId xmlns:a16="http://schemas.microsoft.com/office/drawing/2014/main" id="{D69163ED-0CC4-16C0-52FA-7B5CF911DA79}"/>
+              </a:ext>
+            </a:extLst>
+          </p:cNvPr>
+          <p:cNvSpPr txBox="1"/>
+          <p:nvPr/>
+        </p:nvSpPr>
+        <p:spPr>
+          <a:xfrm>
+            <a:off x="4412965" y="381445"/>
+            <a:ext cx="239168" cy="215444"/>
+          </a:xfrm>
+          <a:prstGeom prst="rect">
+            <a:avLst/>
+          </a:prstGeom>
+          <a:noFill/>
+        </p:spPr>
+        <p:txBody>
+          <a:bodyPr wrap="none" rtlCol="0">
+            <a:spAutoFit/>
+          </a:bodyPr>
+          <a:lstStyle/>
+          <a:p>
+            <a:r>
+              <a:rPr lang="en-JP" sz="800" dirty="0">
+                <a:solidFill>
+                  <a:schemeClr val="accent6">
+                    <a:lumMod val="75000"/>
+                  </a:schemeClr>
+                </a:solidFill>
+              </a:rPr>
+              <a:t>1</a:t>
+            </a:r>
+          </a:p>
+        </p:txBody>
+      </p:sp>
+      <p:sp>
+        <p:nvSpPr>
+          <p:cNvPr id="38" name="TextBox 37">
+            <a:extLst>
+              <a:ext uri="{FF2B5EF4-FFF2-40B4-BE49-F238E27FC236}">
+                <a16:creationId xmlns:a16="http://schemas.microsoft.com/office/drawing/2014/main" id="{86EC2FD2-9C8A-61C9-4EEC-DFA6D45D2311}"/>
+              </a:ext>
+            </a:extLst>
+          </p:cNvPr>
+          <p:cNvSpPr txBox="1"/>
+          <p:nvPr/>
+        </p:nvSpPr>
+        <p:spPr>
+          <a:xfrm>
+            <a:off x="4368600" y="-10164"/>
+            <a:ext cx="309700" cy="215444"/>
+          </a:xfrm>
+          <a:prstGeom prst="rect">
+            <a:avLst/>
+          </a:prstGeom>
+          <a:noFill/>
+        </p:spPr>
+        <p:txBody>
+          <a:bodyPr wrap="none" rtlCol="0">
+            <a:spAutoFit/>
+          </a:bodyPr>
+          <a:lstStyle/>
+          <a:p>
+            <a:r>
+              <a:rPr lang="en-JP" sz="800" dirty="0">
+                <a:solidFill>
+                  <a:srgbClr val="0070C0"/>
+                </a:solidFill>
+              </a:rPr>
+              <a:t>√2</a:t>
+            </a:r>
+          </a:p>
+        </p:txBody>
+      </p:sp>
+      <p:pic>
+        <p:nvPicPr>
+          <p:cNvPr id="20" name="Graphic 19" descr="Plant With Roots outline">
+            <a:extLst>
+              <a:ext uri="{FF2B5EF4-FFF2-40B4-BE49-F238E27FC236}">
+                <a16:creationId xmlns:a16="http://schemas.microsoft.com/office/drawing/2014/main" id="{5759ABF8-3757-B393-63A8-D6EA6575750A}"/>
+              </a:ext>
+            </a:extLst>
+          </p:cNvPr>
+          <p:cNvPicPr>
+            <a:picLocks noChangeAspect="1"/>
+          </p:cNvPicPr>
+          <p:nvPr/>
+        </p:nvPicPr>
+        <p:blipFill>
+          <a:blip r:embed="rId3">
+            <a:extLst>
+              <a:ext uri="{96DAC541-7B7A-43D3-8B79-37D633B846F1}">
+                <asvg:svgBlip xmlns:asvg="http://schemas.microsoft.com/office/drawing/2016/SVG/main" r:embed="rId4"/>
+              </a:ext>
+            </a:extLst>
+          </a:blip>
+          <a:stretch>
+            <a:fillRect/>
+          </a:stretch>
+        </p:blipFill>
+        <p:spPr>
+          <a:xfrm>
+            <a:off x="4072552" y="193188"/>
+            <a:ext cx="180000" cy="180000"/>
+          </a:xfrm>
+          <a:prstGeom prst="rect">
+            <a:avLst/>
+          </a:prstGeom>
+        </p:spPr>
+      </p:pic>
+      <p:pic>
+        <p:nvPicPr>
+          <p:cNvPr id="21" name="Graphic 20" descr="Plant With Roots outline">
+            <a:extLst>
+              <a:ext uri="{FF2B5EF4-FFF2-40B4-BE49-F238E27FC236}">
+                <a16:creationId xmlns:a16="http://schemas.microsoft.com/office/drawing/2014/main" id="{EA6C856A-1E6F-E8C4-5812-4028AAC0E83F}"/>
+              </a:ext>
+            </a:extLst>
+          </p:cNvPr>
+          <p:cNvPicPr>
+            <a:picLocks noChangeAspect="1"/>
+          </p:cNvPicPr>
+          <p:nvPr/>
+        </p:nvPicPr>
+        <p:blipFill>
+          <a:blip r:embed="rId3">
+            <a:extLst>
+              <a:ext uri="{96DAC541-7B7A-43D3-8B79-37D633B846F1}">
+                <asvg:svgBlip xmlns:asvg="http://schemas.microsoft.com/office/drawing/2016/SVG/main" r:embed="rId4"/>
+              </a:ext>
+            </a:extLst>
+          </a:blip>
+          <a:stretch>
+            <a:fillRect/>
+          </a:stretch>
+        </p:blipFill>
+        <p:spPr>
+          <a:xfrm>
+            <a:off x="3894752" y="193187"/>
+            <a:ext cx="180000" cy="180000"/>
+          </a:xfrm>
+          <a:prstGeom prst="rect">
+            <a:avLst/>
+          </a:prstGeom>
+        </p:spPr>
+      </p:pic>
+      <p:pic>
+        <p:nvPicPr>
+          <p:cNvPr id="27" name="Graphic 26" descr="Plant With Roots outline">
+            <a:extLst>
+              <a:ext uri="{FF2B5EF4-FFF2-40B4-BE49-F238E27FC236}">
+                <a16:creationId xmlns:a16="http://schemas.microsoft.com/office/drawing/2014/main" id="{AC08745B-F836-3A0E-2DC9-ECE43DC5789A}"/>
+              </a:ext>
+            </a:extLst>
+          </p:cNvPr>
+          <p:cNvPicPr>
+            <a:picLocks noChangeAspect="1"/>
+          </p:cNvPicPr>
+          <p:nvPr/>
+        </p:nvPicPr>
+        <p:blipFill>
+          <a:blip r:embed="rId3">
+            <a:extLst>
+              <a:ext uri="{96DAC541-7B7A-43D3-8B79-37D633B846F1}">
+                <asvg:svgBlip xmlns:asvg="http://schemas.microsoft.com/office/drawing/2016/SVG/main" r:embed="rId4"/>
+              </a:ext>
+            </a:extLst>
+          </a:blip>
+          <a:stretch>
+            <a:fillRect/>
+          </a:stretch>
+        </p:blipFill>
+        <p:spPr>
+          <a:xfrm>
+            <a:off x="4258820" y="193187"/>
+            <a:ext cx="180000" cy="180000"/>
+          </a:xfrm>
+          <a:prstGeom prst="rect">
+            <a:avLst/>
+          </a:prstGeom>
+        </p:spPr>
+      </p:pic>
+      <p:pic>
+        <p:nvPicPr>
+          <p:cNvPr id="18" name="Graphic 17" descr="Plant With Roots outline">
+            <a:extLst>
+              <a:ext uri="{FF2B5EF4-FFF2-40B4-BE49-F238E27FC236}">
+                <a16:creationId xmlns:a16="http://schemas.microsoft.com/office/drawing/2014/main" id="{8DBEEA4F-6E87-E2D9-394D-8B87CED188E5}"/>
+              </a:ext>
+            </a:extLst>
+          </p:cNvPr>
+          <p:cNvPicPr>
+            <a:picLocks noChangeAspect="1"/>
+          </p:cNvPicPr>
+          <p:nvPr/>
+        </p:nvPicPr>
+        <p:blipFill>
+          <a:blip r:embed="rId3">
+            <a:extLst>
+              <a:ext uri="{96DAC541-7B7A-43D3-8B79-37D633B846F1}">
+                <asvg:svgBlip xmlns:asvg="http://schemas.microsoft.com/office/drawing/2016/SVG/main" r:embed="rId4"/>
+              </a:ext>
+            </a:extLst>
+          </a:blip>
+          <a:stretch>
+            <a:fillRect/>
+          </a:stretch>
+        </p:blipFill>
+        <p:spPr>
+          <a:xfrm>
+            <a:off x="4072553" y="421786"/>
+            <a:ext cx="180000" cy="180000"/>
+          </a:xfrm>
+          <a:prstGeom prst="rect">
+            <a:avLst/>
+          </a:prstGeom>
+        </p:spPr>
+      </p:pic>
+      <p:pic>
+        <p:nvPicPr>
+          <p:cNvPr id="22" name="Graphic 21" descr="Plant With Roots outline">
+            <a:extLst>
+              <a:ext uri="{FF2B5EF4-FFF2-40B4-BE49-F238E27FC236}">
+                <a16:creationId xmlns:a16="http://schemas.microsoft.com/office/drawing/2014/main" id="{30F778A3-7C88-F844-8813-FCE1D55B867D}"/>
+              </a:ext>
+            </a:extLst>
+          </p:cNvPr>
+          <p:cNvPicPr>
+            <a:picLocks noChangeAspect="1"/>
+          </p:cNvPicPr>
+          <p:nvPr/>
+        </p:nvPicPr>
+        <p:blipFill>
+          <a:blip r:embed="rId3">
+            <a:extLst>
+              <a:ext uri="{96DAC541-7B7A-43D3-8B79-37D633B846F1}">
+                <asvg:svgBlip xmlns:asvg="http://schemas.microsoft.com/office/drawing/2016/SVG/main" r:embed="rId4"/>
+              </a:ext>
+            </a:extLst>
+          </a:blip>
+          <a:stretch>
+            <a:fillRect/>
+          </a:stretch>
+        </p:blipFill>
+        <p:spPr>
+          <a:xfrm>
+            <a:off x="3886284" y="421785"/>
+            <a:ext cx="180000" cy="180000"/>
+          </a:xfrm>
+          <a:prstGeom prst="rect">
+            <a:avLst/>
+          </a:prstGeom>
+        </p:spPr>
+      </p:pic>
+      <p:pic>
+        <p:nvPicPr>
+          <p:cNvPr id="26" name="Graphic 25" descr="Plant With Roots outline">
+            <a:extLst>
+              <a:ext uri="{FF2B5EF4-FFF2-40B4-BE49-F238E27FC236}">
+                <a16:creationId xmlns:a16="http://schemas.microsoft.com/office/drawing/2014/main" id="{80431E3B-0B60-1E36-E704-668A9A5F068B}"/>
+              </a:ext>
+            </a:extLst>
+          </p:cNvPr>
+          <p:cNvPicPr>
+            <a:picLocks noChangeAspect="1"/>
+          </p:cNvPicPr>
+          <p:nvPr/>
+        </p:nvPicPr>
+        <p:blipFill>
+          <a:blip r:embed="rId3">
+            <a:extLst>
+              <a:ext uri="{96DAC541-7B7A-43D3-8B79-37D633B846F1}">
+                <asvg:svgBlip xmlns:asvg="http://schemas.microsoft.com/office/drawing/2016/SVG/main" r:embed="rId4"/>
+              </a:ext>
+            </a:extLst>
+          </a:blip>
+          <a:stretch>
+            <a:fillRect/>
+          </a:stretch>
+        </p:blipFill>
+        <p:spPr>
+          <a:xfrm>
+            <a:off x="4258821" y="421785"/>
+            <a:ext cx="180000" cy="180000"/>
+          </a:xfrm>
+          <a:prstGeom prst="rect">
+            <a:avLst/>
+          </a:prstGeom>
+        </p:spPr>
+      </p:pic>
+      <p:pic>
+        <p:nvPicPr>
+          <p:cNvPr id="28" name="Graphic 27" descr="Plant With Roots outline">
+            <a:extLst>
+              <a:ext uri="{FF2B5EF4-FFF2-40B4-BE49-F238E27FC236}">
+                <a16:creationId xmlns:a16="http://schemas.microsoft.com/office/drawing/2014/main" id="{9CA1B5FB-E1EC-9FBD-8AEB-6D42BE480BCB}"/>
+              </a:ext>
+            </a:extLst>
+          </p:cNvPr>
+          <p:cNvPicPr>
+            <a:picLocks noChangeAspect="1"/>
+          </p:cNvPicPr>
+          <p:nvPr/>
+        </p:nvPicPr>
+        <p:blipFill>
+          <a:blip r:embed="rId3">
+            <a:extLst>
+              <a:ext uri="{96DAC541-7B7A-43D3-8B79-37D633B846F1}">
+                <asvg:svgBlip xmlns:asvg="http://schemas.microsoft.com/office/drawing/2016/SVG/main" r:embed="rId4"/>
+              </a:ext>
+            </a:extLst>
+          </a:blip>
+          <a:stretch>
+            <a:fillRect/>
+          </a:stretch>
+        </p:blipFill>
+        <p:spPr>
+          <a:xfrm>
+            <a:off x="4072552" y="633454"/>
+            <a:ext cx="180000" cy="180000"/>
+          </a:xfrm>
+          <a:prstGeom prst="rect">
+            <a:avLst/>
+          </a:prstGeom>
+        </p:spPr>
+      </p:pic>
+      <p:pic>
+        <p:nvPicPr>
+          <p:cNvPr id="29" name="Graphic 28" descr="Plant With Roots outline">
+            <a:extLst>
+              <a:ext uri="{FF2B5EF4-FFF2-40B4-BE49-F238E27FC236}">
+                <a16:creationId xmlns:a16="http://schemas.microsoft.com/office/drawing/2014/main" id="{CC852D34-AC82-856F-BED7-0430FFE0F79D}"/>
+              </a:ext>
+            </a:extLst>
+          </p:cNvPr>
+          <p:cNvPicPr>
+            <a:picLocks noChangeAspect="1"/>
+          </p:cNvPicPr>
+          <p:nvPr/>
+        </p:nvPicPr>
+        <p:blipFill>
+          <a:blip r:embed="rId3">
+            <a:extLst>
+              <a:ext uri="{96DAC541-7B7A-43D3-8B79-37D633B846F1}">
+                <asvg:svgBlip xmlns:asvg="http://schemas.microsoft.com/office/drawing/2016/SVG/main" r:embed="rId4"/>
+              </a:ext>
+            </a:extLst>
+          </a:blip>
+          <a:stretch>
+            <a:fillRect/>
+          </a:stretch>
+        </p:blipFill>
+        <p:spPr>
+          <a:xfrm>
+            <a:off x="3894752" y="633453"/>
+            <a:ext cx="180000" cy="180000"/>
+          </a:xfrm>
+          <a:prstGeom prst="rect">
+            <a:avLst/>
+          </a:prstGeom>
+        </p:spPr>
+      </p:pic>
+      <p:pic>
+        <p:nvPicPr>
+          <p:cNvPr id="30" name="Graphic 29" descr="Plant With Roots outline">
+            <a:extLst>
+              <a:ext uri="{FF2B5EF4-FFF2-40B4-BE49-F238E27FC236}">
+                <a16:creationId xmlns:a16="http://schemas.microsoft.com/office/drawing/2014/main" id="{72642AD7-5EB0-BF98-B803-B3F16B63A86D}"/>
+              </a:ext>
+            </a:extLst>
+          </p:cNvPr>
+          <p:cNvPicPr>
+            <a:picLocks noChangeAspect="1"/>
+          </p:cNvPicPr>
+          <p:nvPr/>
+        </p:nvPicPr>
+        <p:blipFill>
+          <a:blip r:embed="rId3">
+            <a:extLst>
+              <a:ext uri="{96DAC541-7B7A-43D3-8B79-37D633B846F1}">
+                <asvg:svgBlip xmlns:asvg="http://schemas.microsoft.com/office/drawing/2016/SVG/main" r:embed="rId4"/>
+              </a:ext>
+            </a:extLst>
+          </a:blip>
+          <a:stretch>
+            <a:fillRect/>
+          </a:stretch>
+        </p:blipFill>
+        <p:spPr>
+          <a:xfrm>
+            <a:off x="4258820" y="633453"/>
+            <a:ext cx="180000" cy="180000"/>
+          </a:xfrm>
+          <a:prstGeom prst="rect">
+            <a:avLst/>
+          </a:prstGeom>
+        </p:spPr>
+      </p:pic>
+      <p:cxnSp>
+        <p:nvCxnSpPr>
+          <p:cNvPr id="40" name="Straight Arrow Connector 39">
+            <a:extLst>
+              <a:ext uri="{FF2B5EF4-FFF2-40B4-BE49-F238E27FC236}">
+                <a16:creationId xmlns:a16="http://schemas.microsoft.com/office/drawing/2014/main" id="{06B62498-2CBE-0A66-E0E0-3ACEDD09D919}"/>
+              </a:ext>
+            </a:extLst>
+          </p:cNvPr>
+          <p:cNvCxnSpPr>
+            <a:cxnSpLocks/>
+            <a:stCxn id="33" idx="3"/>
+          </p:cNvCxnSpPr>
+          <p:nvPr/>
+        </p:nvCxnSpPr>
+        <p:spPr>
+          <a:xfrm flipV="1">
+            <a:off x="4179909" y="292531"/>
+            <a:ext cx="144000" cy="144000"/>
+          </a:xfrm>
+          <a:prstGeom prst="straightConnector1">
+            <a:avLst/>
+          </a:prstGeom>
+          <a:ln>
+            <a:solidFill>
+              <a:schemeClr val="accent1">
+                <a:alpha val="75000"/>
+              </a:schemeClr>
+            </a:solidFill>
+            <a:tailEnd type="triangle"/>
+          </a:ln>
+        </p:spPr>
+        <p:style>
+          <a:lnRef idx="2">
+            <a:schemeClr val="accent1"/>
+          </a:lnRef>
+          <a:fillRef idx="0">
+            <a:schemeClr val="accent1"/>
+          </a:fillRef>
+          <a:effectRef idx="1">
+            <a:schemeClr val="accent1"/>
+          </a:effectRef>
+          <a:fontRef idx="minor">
+            <a:schemeClr val="tx1"/>
+          </a:fontRef>
+        </p:style>
+      </p:cxnSp>
+      <p:cxnSp>
+        <p:nvCxnSpPr>
+          <p:cNvPr id="43" name="Straight Arrow Connector 42">
+            <a:extLst>
+              <a:ext uri="{FF2B5EF4-FFF2-40B4-BE49-F238E27FC236}">
+                <a16:creationId xmlns:a16="http://schemas.microsoft.com/office/drawing/2014/main" id="{D1A31813-AC61-AAA0-97F2-9F0EB6216294}"/>
+              </a:ext>
+            </a:extLst>
+          </p:cNvPr>
+          <p:cNvCxnSpPr>
+            <a:cxnSpLocks/>
+          </p:cNvCxnSpPr>
+          <p:nvPr/>
+        </p:nvCxnSpPr>
+        <p:spPr>
+          <a:xfrm flipV="1">
+            <a:off x="4174861" y="516517"/>
+            <a:ext cx="180000" cy="0"/>
+          </a:xfrm>
+          <a:prstGeom prst="straightConnector1">
+            <a:avLst/>
+          </a:prstGeom>
+          <a:ln>
+            <a:solidFill>
+              <a:schemeClr val="accent6">
+                <a:lumMod val="75000"/>
+                <a:alpha val="75000"/>
+              </a:schemeClr>
+            </a:solidFill>
+            <a:tailEnd type="triangle"/>
+          </a:ln>
+        </p:spPr>
+        <p:style>
+          <a:lnRef idx="2">
+            <a:schemeClr val="accent1"/>
+          </a:lnRef>
+          <a:fillRef idx="0">
+            <a:schemeClr val="accent1"/>
+          </a:fillRef>
+          <a:effectRef idx="1">
+            <a:schemeClr val="accent1"/>
+          </a:effectRef>
+          <a:fontRef idx="minor">
+            <a:schemeClr val="tx1"/>
+          </a:fontRef>
+        </p:style>
+      </p:cxnSp>
     </p:spTree>
     <p:extLst>
       <p:ext uri="{BB962C8B-B14F-4D97-AF65-F5344CB8AC3E}">
